--- a/docker-baby/docker-baby.pptx
+++ b/docker-baby/docker-baby.pptx
@@ -30,6 +30,7 @@
     <p:sldId id="275" r:id="rId27"/>
     <p:sldId id="276" r:id="rId28"/>
     <p:sldId id="277" r:id="rId29"/>
+    <p:sldId id="278" r:id="rId30"/>
   </p:sldIdLst>
   <p:sldSz cx="24384000" cy="13716000"/>
   <p:notesSz cx="6858000" cy="9144000"/>
@@ -4555,8 +4556,8 @@
           </p:blipFill>
           <p:spPr>
             <a:xfrm>
-              <a:off x="329604" y="707771"/>
-              <a:ext cx="3455441" cy="3291605"/>
+              <a:off x="329604" y="707770"/>
+              <a:ext cx="3455441" cy="3291606"/>
             </a:xfrm>
             <a:prstGeom prst="rect">
               <a:avLst/>
@@ -4660,7 +4661,7 @@
           <p:spPr>
             <a:xfrm>
               <a:off x="411559" y="685800"/>
-              <a:ext cx="3291670" cy="3291670"/>
+              <a:ext cx="3291671" cy="3291670"/>
             </a:xfrm>
             <a:prstGeom prst="rect">
               <a:avLst/>
@@ -4897,7 +4898,7 @@
               <a:defRPr sz="4400"/>
             </a:pPr>
             <a:r>
-              <a:t>Docker</a:t>
+              <a:t>Docker Command line</a:t>
             </a:r>
           </a:p>
           <a:p>
@@ -5302,7 +5303,7 @@
               <a:defRPr sz="4400"/>
             </a:pPr>
             <a:r>
-              <a:t>Docker</a:t>
+              <a:t>Docker Command line</a:t>
             </a:r>
           </a:p>
           <a:p>
@@ -6387,7 +6388,12 @@
           <a:bodyPr/>
           <a:lstStyle/>
           <a:p>
-            <a:pPr/>
+            <a:pPr marL="540638" indent="-540638" defTabSz="2413955">
+              <a:spcBef>
+                <a:spcPts val="2300"/>
+              </a:spcBef>
+              <a:defRPr sz="4356"/>
+            </a:pPr>
             <a:r>
               <a:t>本機安裝： </a:t>
             </a:r>
@@ -6401,12 +6407,17 @@
               <a:t> </a:t>
             </a:r>
             <a:r>
-              <a:rPr sz="3500"/>
+              <a:rPr sz="3465"/>
               <a:t>(回家自己裝)</a:t>
             </a:r>
           </a:p>
           <a:p>
-            <a:pPr/>
+            <a:pPr marL="540638" indent="-540638" defTabSz="2413955">
+              <a:spcBef>
+                <a:spcPts val="2300"/>
+              </a:spcBef>
+              <a:defRPr sz="4356"/>
+            </a:pPr>
             <a:r>
               <a:t>快速環境：</a:t>
             </a:r>
@@ -6417,18 +6428,29 @@
               <a:t>https://labs.play-with-docker.com/</a:t>
             </a:r>
             <a:r>
-              <a:rPr sz="3500"/>
+              <a:rPr sz="3465"/>
               <a:t>(今日遊戲場)</a:t>
             </a:r>
           </a:p>
           <a:p>
-            <a:pPr/>
-            <a:r>
-              <a:t>Step 1:</a:t>
-            </a:r>
-          </a:p>
-          <a:p>
-            <a:pPr lvl="1"/>
+            <a:pPr marL="540638" indent="-540638" defTabSz="2413955">
+              <a:spcBef>
+                <a:spcPts val="2300"/>
+              </a:spcBef>
+              <a:defRPr sz="4356"/>
+            </a:pPr>
+            <a:r>
+              <a:t>請開啟以下連結:</a:t>
+            </a:r>
+          </a:p>
+          <a:p>
+            <a:pPr lvl="1" marL="1081277" indent="-540638" defTabSz="2413955">
+              <a:spcBef>
+                <a:spcPts val="2300"/>
+              </a:spcBef>
+              <a:buChar char="-"/>
+              <a:defRPr sz="4356"/>
+            </a:pPr>
             <a:r>
               <a:t>登入 </a:t>
             </a:r>
@@ -6440,9 +6462,62 @@
             </a:r>
           </a:p>
           <a:p>
-            <a:pPr lvl="1"/>
-            <a:r>
-              <a:t>開啟 https://github.com/cathaylife-devops/docker-tutorial/docker-baby</a:t>
+            <a:pPr lvl="1" marL="1081277" indent="-540638" defTabSz="2413955">
+              <a:spcBef>
+                <a:spcPts val="2300"/>
+              </a:spcBef>
+              <a:buChar char="-"/>
+              <a:defRPr sz="4356"/>
+            </a:pPr>
+            <a:r>
+              <a:t>開啟 </a:t>
+            </a:r>
+            <a:r>
+              <a:rPr u="sng">
+                <a:hlinkClick r:id="rId4" invalidUrl="" action="" tgtFrame="" tooltip="" history="1" highlightClick="0" endSnd="0"/>
+              </a:rPr>
+              <a:t>https://github.com/cathaylife-devops/docker-tutorial/docker-baby</a:t>
+            </a:r>
+          </a:p>
+          <a:p>
+            <a:pPr marL="540638" indent="-540638" defTabSz="2413955">
+              <a:spcBef>
+                <a:spcPts val="2300"/>
+              </a:spcBef>
+              <a:defRPr sz="4356"/>
+            </a:pPr>
+            <a:r>
+              <a:t>Tips:</a:t>
+            </a:r>
+          </a:p>
+          <a:p>
+            <a:pPr lvl="1" marL="1081277" indent="-540638" defTabSz="2413955">
+              <a:spcBef>
+                <a:spcPts val="2300"/>
+              </a:spcBef>
+              <a:buClr>
+                <a:srgbClr val="000000"/>
+              </a:buClr>
+              <a:buChar char="-"/>
+              <a:defRPr sz="4356"/>
+            </a:pPr>
+            <a:r>
+              <a:t>Windows 複製貼上 ctrl+shift+v</a:t>
+            </a:r>
+          </a:p>
+          <a:p>
+            <a:pPr lvl="1" marL="1081277" indent="-540638" defTabSz="2413955">
+              <a:spcBef>
+                <a:spcPts val="2300"/>
+              </a:spcBef>
+              <a:buClr>
+                <a:srgbClr val="000000"/>
+              </a:buClr>
+              <a:buChar char="-"/>
+              <a:defRPr sz="4356"/>
+            </a:pPr>
+            <a:r>
+              <a:t>指令提醒 Tab </a:t>
             </a:r>
           </a:p>
         </p:txBody>
@@ -6496,7 +6571,7 @@
       </p:grpSpPr>
       <p:sp>
         <p:nvSpPr>
-          <p:cNvPr id="282" name="Docker Command"/>
+          <p:cNvPr id="282" name="Docker Command line"/>
           <p:cNvSpPr txBox="1"/>
           <p:nvPr>
             <p:ph type="title"/>
@@ -6513,14 +6588,14 @@
           <a:p>
             <a:pPr/>
             <a:r>
-              <a:t>Docker Command</a:t>
-            </a:r>
-          </a:p>
-        </p:txBody>
-      </p:sp>
-      <p:sp>
-        <p:nvSpPr>
-          <p:cNvPr id="283" name="Docker info…"/>
+              <a:t>Docker Command line</a:t>
+            </a:r>
+          </a:p>
+        </p:txBody>
+      </p:sp>
+      <p:sp>
+        <p:nvSpPr>
+          <p:cNvPr id="283" name="docker info…"/>
           <p:cNvSpPr txBox="1"/>
           <p:nvPr>
             <p:ph type="body" sz="half" idx="1"/>
@@ -6541,37 +6616,37 @@
           <a:p>
             <a:pPr lvl="1"/>
             <a:r>
-              <a:t>Docker info</a:t>
+              <a:t>docker info</a:t>
             </a:r>
           </a:p>
           <a:p>
             <a:pPr lvl="1"/>
             <a:r>
-              <a:t>Docker ps</a:t>
+              <a:t>docker ps</a:t>
             </a:r>
           </a:p>
           <a:p>
             <a:pPr lvl="1"/>
             <a:r>
-              <a:t>Docker pull</a:t>
+              <a:t>docker pull</a:t>
             </a:r>
           </a:p>
           <a:p>
             <a:pPr lvl="1"/>
             <a:r>
-              <a:t>Docker create(冷)</a:t>
+              <a:t>docker create(冷)</a:t>
             </a:r>
           </a:p>
           <a:p>
             <a:pPr lvl="1"/>
             <a:r>
-              <a:t>Docker start</a:t>
+              <a:t>docker start</a:t>
             </a:r>
           </a:p>
           <a:p>
             <a:pPr lvl="1"/>
             <a:r>
-              <a:t>Docker run</a:t>
+              <a:t>docker run</a:t>
             </a:r>
           </a:p>
         </p:txBody>
@@ -6607,7 +6682,7 @@
       </p:sp>
       <p:sp>
         <p:nvSpPr>
-          <p:cNvPr id="285" name="Docker rm…"/>
+          <p:cNvPr id="285" name="docker rm…"/>
           <p:cNvSpPr txBox="1"/>
           <p:nvPr/>
         </p:nvSpPr>
@@ -6643,7 +6718,7 @@
               <a:defRPr sz="4400"/>
             </a:pPr>
             <a:r>
-              <a:t>Docker rm</a:t>
+              <a:t>docker rm</a:t>
             </a:r>
           </a:p>
           <a:p>
@@ -6656,7 +6731,7 @@
               <a:defRPr sz="4400"/>
             </a:pPr>
             <a:r>
-              <a:t>Docker rmi</a:t>
+              <a:t>docker rmi</a:t>
             </a:r>
           </a:p>
           <a:p>
@@ -6669,7 +6744,7 @@
               <a:defRPr sz="4400"/>
             </a:pPr>
             <a:r>
-              <a:t>Docker history</a:t>
+              <a:t>docker history</a:t>
             </a:r>
           </a:p>
           <a:p>
@@ -6682,7 +6757,7 @@
               <a:defRPr sz="4400"/>
             </a:pPr>
             <a:r>
-              <a:t>Docker logs</a:t>
+              <a:t>docker logs</a:t>
             </a:r>
           </a:p>
         </p:txBody>
@@ -6715,7 +6790,7 @@
       </p:grpSpPr>
       <p:sp>
         <p:nvSpPr>
-          <p:cNvPr id="287" name="Docker Command"/>
+          <p:cNvPr id="287" name="Docker Command line"/>
           <p:cNvSpPr txBox="1"/>
           <p:nvPr>
             <p:ph type="title"/>
@@ -6732,14 +6807,14 @@
           <a:p>
             <a:pPr/>
             <a:r>
-              <a:t>Docker Command</a:t>
-            </a:r>
-          </a:p>
-        </p:txBody>
-      </p:sp>
-      <p:sp>
-        <p:nvSpPr>
-          <p:cNvPr id="288" name="Docker info…"/>
+              <a:t>Docker Command line</a:t>
+            </a:r>
+          </a:p>
+        </p:txBody>
+      </p:sp>
+      <p:sp>
+        <p:nvSpPr>
+          <p:cNvPr id="288" name="docker info…"/>
           <p:cNvSpPr txBox="1"/>
           <p:nvPr>
             <p:ph type="body" sz="half" idx="1"/>
@@ -6760,37 +6835,37 @@
           <a:p>
             <a:pPr lvl="1"/>
             <a:r>
-              <a:t>Docker info</a:t>
+              <a:t>docker info</a:t>
             </a:r>
           </a:p>
           <a:p>
             <a:pPr lvl="1"/>
             <a:r>
-              <a:t>Docker ps</a:t>
+              <a:t>docker ps</a:t>
             </a:r>
           </a:p>
           <a:p>
             <a:pPr lvl="1"/>
             <a:r>
-              <a:t>Docker pull [image]</a:t>
+              <a:t>docker pull [image]</a:t>
             </a:r>
           </a:p>
           <a:p>
             <a:pPr lvl="1"/>
             <a:r>
-              <a:t>Docker create(冷) [image]</a:t>
+              <a:t>docker create [image]</a:t>
             </a:r>
           </a:p>
           <a:p>
             <a:pPr lvl="1"/>
             <a:r>
-              <a:t>Docker start [contsiner]</a:t>
+              <a:t>docker start [container]</a:t>
             </a:r>
           </a:p>
           <a:p>
             <a:pPr lvl="1"/>
             <a:r>
-              <a:t>Docker run [image]</a:t>
+              <a:t>docker run [image]</a:t>
             </a:r>
           </a:p>
         </p:txBody>
@@ -6826,7 +6901,7 @@
       </p:sp>
       <p:sp>
         <p:nvSpPr>
-          <p:cNvPr id="290" name="Docker rm [contsiner]…"/>
+          <p:cNvPr id="290" name="docker rm [container]…"/>
           <p:cNvSpPr txBox="1"/>
           <p:nvPr/>
         </p:nvSpPr>
@@ -6862,7 +6937,7 @@
               <a:defRPr sz="4400"/>
             </a:pPr>
             <a:r>
-              <a:t>Docker rm [contsiner]</a:t>
+              <a:t>docker rm [container]</a:t>
             </a:r>
           </a:p>
           <a:p>
@@ -6875,7 +6950,7 @@
               <a:defRPr sz="4400"/>
             </a:pPr>
             <a:r>
-              <a:t>Docker rmi [image]</a:t>
+              <a:t>docker rmi [image]</a:t>
             </a:r>
           </a:p>
           <a:p>
@@ -6888,7 +6963,7 @@
               <a:defRPr sz="4400"/>
             </a:pPr>
             <a:r>
-              <a:t>Docker history [image]</a:t>
+              <a:t>docker history [image]</a:t>
             </a:r>
           </a:p>
           <a:p>
@@ -6901,7 +6976,7 @@
               <a:defRPr sz="4400"/>
             </a:pPr>
             <a:r>
-              <a:t>Docker logs [contsiner]</a:t>
+              <a:t>docker logs [container]</a:t>
             </a:r>
           </a:p>
         </p:txBody>
@@ -6984,7 +7059,7 @@
               <a:buNone/>
             </a:pPr>
             <a:r>
-              <a:t>-d  —detach         Run container in background and print container ID</a:t>
+              <a:t>-d  - -detach         Run container in background and print container ID</a:t>
             </a:r>
           </a:p>
           <a:p>
@@ -6993,7 +7068,7 @@
               <a:buNone/>
             </a:pPr>
             <a:r>
-              <a:t>-p  —public          Publish a container's port(s) to the host</a:t>
+              <a:t>-p  - -publish        Publish a container's port(s) to the host</a:t>
             </a:r>
           </a:p>
           <a:p>
@@ -7002,7 +7077,7 @@
               <a:buNone/>
             </a:pPr>
             <a:r>
-              <a:t>-t   —tty                Allocate a pseudo-TTY</a:t>
+              <a:t>-v  - -volume        Bind mount a volume</a:t>
             </a:r>
           </a:p>
           <a:p>
@@ -7011,16 +7086,7 @@
               <a:buNone/>
             </a:pPr>
             <a:r>
-              <a:t>-v  —volume        Bind mount a volume</a:t>
-            </a:r>
-          </a:p>
-          <a:p>
-            <a:pPr lvl="3" marL="0" indent="1371600">
-              <a:buSzTx/>
-              <a:buNone/>
-            </a:pPr>
-            <a:r>
-              <a:t>—name                Assign a name to the container</a:t>
+              <a:t>- -name                Assign a name to the container</a:t>
             </a:r>
           </a:p>
         </p:txBody>
@@ -7054,6 +7120,49 @@
             <a:pPr/>
             <a:r>
               <a:t>Docker run </a:t>
+            </a:r>
+          </a:p>
+        </p:txBody>
+      </p:sp>
+      <p:sp>
+        <p:nvSpPr>
+          <p:cNvPr id="295" name="記好囉～！那我們回Github =&gt;"/>
+          <p:cNvSpPr txBox="1"/>
+          <p:nvPr/>
+        </p:nvSpPr>
+        <p:spPr>
+          <a:xfrm>
+            <a:off x="16780360" y="12249259"/>
+            <a:ext cx="7306666" cy="1114566"/>
+          </a:xfrm>
+          <a:prstGeom prst="rect">
+            <a:avLst/>
+          </a:prstGeom>
+          <a:ln w="12700">
+            <a:miter lim="400000"/>
+          </a:ln>
+          <a:extLst>
+            <a:ext uri="{C572A759-6A51-4108-AA02-DFA0A04FC94B}">
+              <ma14:wrappingTextBoxFlag xmlns:ma14="http://schemas.microsoft.com/office/mac/drawingml/2011/main" val="1"/>
+            </a:ext>
+          </a:extLst>
+        </p:spPr>
+        <p:txBody>
+          <a:bodyPr lIns="50800" tIns="50800" rIns="50800" bIns="50800">
+            <a:normAutofit fontScale="100000" lnSpcReduction="0"/>
+          </a:bodyPr>
+          <a:lstStyle>
+            <a:lvl1pPr algn="l" defTabSz="2316421">
+              <a:spcBef>
+                <a:spcPts val="2200"/>
+              </a:spcBef>
+              <a:defRPr sz="4180"/>
+            </a:lvl1pPr>
+          </a:lstStyle>
+          <a:p>
+            <a:pPr/>
+            <a:r>
+              <a:t>記好囉～！那我們回Github =&gt;</a:t>
             </a:r>
           </a:p>
         </p:txBody>
@@ -7167,7 +7276,7 @@
           <a:p>
             <a:pPr lvl="1"/>
             <a:r>
-              <a:t>DockerHub</a:t>
+              <a:t>Docker Hub</a:t>
             </a:r>
           </a:p>
         </p:txBody>
@@ -7222,117 +7331,91 @@
           </a:bodyPr>
           <a:lstStyle/>
           <a:p>
-            <a:pPr marL="486029" indent="-486029" algn="l" defTabSz="2170121">
+            <a:pPr marL="546100" indent="-546100" algn="l" defTabSz="2438338">
               <a:spcBef>
-                <a:spcPts val="2100"/>
+                <a:spcPts val="2400"/>
               </a:spcBef>
               <a:buSzPct val="150000"/>
               <a:buChar char="•"/>
-              <a:defRPr sz="3916"/>
+              <a:defRPr sz="4400"/>
             </a:pPr>
             <a:r>
               <a:t>Hands on Docker </a:t>
             </a:r>
           </a:p>
           <a:p>
-            <a:pPr lvl="1" marL="972058" indent="-486029" algn="l" defTabSz="2170121">
+            <a:pPr lvl="1" marL="1092200" indent="-546100" algn="l" defTabSz="2438338">
               <a:spcBef>
-                <a:spcPts val="2100"/>
+                <a:spcPts val="2400"/>
               </a:spcBef>
               <a:buSzPct val="150000"/>
               <a:buChar char="•"/>
-              <a:defRPr sz="3916"/>
+              <a:defRPr sz="4400"/>
             </a:pPr>
             <a:r>
-              <a:t>Docker info</a:t>
-            </a:r>
-          </a:p>
-          <a:p>
-            <a:pPr lvl="1" marL="972058" indent="-486029" algn="l" defTabSz="2170121">
+              <a:t>docker info</a:t>
+            </a:r>
+          </a:p>
+          <a:p>
+            <a:pPr lvl="1" marL="1092200" indent="-546100" algn="l" defTabSz="2438338">
               <a:spcBef>
-                <a:spcPts val="2100"/>
+                <a:spcPts val="2400"/>
               </a:spcBef>
               <a:buSzPct val="150000"/>
               <a:buChar char="•"/>
-              <a:defRPr sz="3916"/>
+              <a:defRPr sz="4400"/>
             </a:pPr>
             <a:r>
-              <a:t>Docker ps</a:t>
-            </a:r>
-          </a:p>
-          <a:p>
-            <a:pPr lvl="1" marL="972058" indent="-486029" algn="l" defTabSz="2170121">
+              <a:t>docker ps</a:t>
+            </a:r>
+          </a:p>
+          <a:p>
+            <a:pPr lvl="1" marL="1092200" indent="-546100" algn="l" defTabSz="2438338">
               <a:spcBef>
-                <a:spcPts val="2100"/>
+                <a:spcPts val="2400"/>
               </a:spcBef>
               <a:buSzPct val="150000"/>
               <a:buChar char="•"/>
-              <a:defRPr sz="3916"/>
+              <a:defRPr sz="4400"/>
             </a:pPr>
             <a:r>
-              <a:t>Docker pull</a:t>
-            </a:r>
-          </a:p>
-          <a:p>
-            <a:pPr lvl="1" marL="972058" indent="-486029" algn="l" defTabSz="2170121">
+              <a:t>docker pull</a:t>
+            </a:r>
+          </a:p>
+          <a:p>
+            <a:pPr lvl="1" marL="1092200" indent="-546100" algn="l" defTabSz="2438338">
               <a:spcBef>
-                <a:spcPts val="2100"/>
+                <a:spcPts val="2400"/>
               </a:spcBef>
               <a:buSzPct val="150000"/>
               <a:buChar char="•"/>
-              <a:defRPr sz="3916"/>
+              <a:defRPr sz="4400"/>
             </a:pPr>
             <a:r>
-              <a:t>Docker create</a:t>
-            </a:r>
-          </a:p>
-          <a:p>
-            <a:pPr lvl="1" marL="972058" indent="-486029" algn="l" defTabSz="2170121">
+              <a:t>docker run</a:t>
+            </a:r>
+          </a:p>
+          <a:p>
+            <a:pPr lvl="1" marL="1092200" indent="-546100" algn="l" defTabSz="2438338">
               <a:spcBef>
-                <a:spcPts val="2100"/>
+                <a:spcPts val="2400"/>
               </a:spcBef>
               <a:buSzPct val="150000"/>
               <a:buChar char="•"/>
-              <a:defRPr sz="3916"/>
+              <a:defRPr sz="4400"/>
             </a:pPr>
             <a:r>
-              <a:t>Docker start</a:t>
-            </a:r>
-          </a:p>
-          <a:p>
-            <a:pPr lvl="1" marL="972058" indent="-486029" algn="l" defTabSz="2170121">
+              <a:t>docker history</a:t>
+            </a:r>
+          </a:p>
+          <a:p>
+            <a:pPr marL="546100" indent="-546100" algn="l" defTabSz="2438338">
               <a:spcBef>
-                <a:spcPts val="2100"/>
+                <a:spcPts val="2400"/>
               </a:spcBef>
               <a:buSzPct val="150000"/>
               <a:buChar char="•"/>
-              <a:defRPr sz="3916"/>
-            </a:pPr>
-            <a:r>
-              <a:t>Docker run</a:t>
-            </a:r>
-          </a:p>
-          <a:p>
-            <a:pPr lvl="1" marL="972058" indent="-486029" algn="l" defTabSz="2170121">
-              <a:spcBef>
-                <a:spcPts val="2100"/>
-              </a:spcBef>
-              <a:buSzPct val="150000"/>
-              <a:buChar char="•"/>
-              <a:defRPr sz="3916"/>
-            </a:pPr>
-            <a:r>
-              <a:t>Docker history</a:t>
-            </a:r>
-          </a:p>
-          <a:p>
-            <a:pPr marL="486029" indent="-486029" algn="l" defTabSz="2170121">
-              <a:spcBef>
-                <a:spcPts val="2100"/>
-              </a:spcBef>
-              <a:buSzPct val="150000"/>
-              <a:buChar char="•"/>
-              <a:defRPr sz="3916"/>
+              <a:defRPr sz="4400"/>
             </a:pPr>
             <a:r>
               <a:t>Ｑ&amp;A</a:t>
@@ -7368,7 +7451,7 @@
       </p:grpSpPr>
       <p:sp>
         <p:nvSpPr>
-          <p:cNvPr id="296" name="Review"/>
+          <p:cNvPr id="297" name="Practice Makes Perfect"/>
           <p:cNvSpPr txBox="1"/>
           <p:nvPr>
             <p:ph type="title"/>
@@ -7385,20 +7468,24 @@
           <a:p>
             <a:pPr/>
             <a:r>
-              <a:t>Review</a:t>
-            </a:r>
-          </a:p>
-        </p:txBody>
-      </p:sp>
-      <p:sp>
-        <p:nvSpPr>
-          <p:cNvPr id="297" name="Docker 輕量級虛擬化技術，方便管理容器的工具，讓開發環境更統一不受干擾。…"/>
+              <a:t>Practice Makes Perfect</a:t>
+            </a:r>
+          </a:p>
+        </p:txBody>
+      </p:sp>
+      <p:sp>
+        <p:nvSpPr>
+          <p:cNvPr id="298" name="架一個小型的網站…"/>
           <p:cNvSpPr txBox="1"/>
           <p:nvPr>
-            <p:ph type="body" idx="1"/>
+            <p:ph type="body" sz="quarter" idx="1"/>
           </p:nvPr>
         </p:nvSpPr>
         <p:spPr>
+          <a:xfrm>
+            <a:off x="9250852" y="4539137"/>
+            <a:ext cx="5882296" cy="4637726"/>
+          </a:xfrm>
           <a:prstGeom prst="rect">
             <a:avLst/>
           </a:prstGeom>
@@ -7407,40 +7494,46 @@
           <a:bodyPr/>
           <a:lstStyle/>
           <a:p>
-            <a:pPr/>
-            <a:r>
-              <a:t>Docker 輕量級虛擬化技術，方便管理容器的工具，讓開發環境更統一不受干擾。</a:t>
-            </a:r>
-          </a:p>
-          <a:p>
-            <a:pPr/>
-            <a:r>
-              <a:t>Container是由 Image 製成，可以用同一個image 製成很多個，但 name 不能重複。</a:t>
-            </a:r>
-          </a:p>
-          <a:p>
-            <a:pPr/>
-            <a:r>
-              <a:t>Image 是由Dokcerfile製成，也可以從 Repository 拉取。</a:t>
-            </a:r>
-          </a:p>
-          <a:p>
-            <a:pPr/>
-            <a:r>
-              <a:t>公開的 Repository 有現成的 Image 可以使用。</a:t>
-            </a:r>
-          </a:p>
-          <a:p>
-            <a:pPr/>
-            <a:r>
-              <a:t>- -  help 是你的好夥伴</a:t>
-            </a:r>
-          </a:p>
-        </p:txBody>
-      </p:sp>
-      <p:sp>
-        <p:nvSpPr>
-          <p:cNvPr id="298" name="幻燈片子標題"/>
+            <a:pPr marL="0" indent="0" algn="ctr">
+              <a:buSzTx/>
+              <a:buNone/>
+            </a:pPr>
+            <a:r>
+              <a:t>架一個小型的網站 </a:t>
+            </a:r>
+          </a:p>
+          <a:p>
+            <a:pPr marL="0" indent="0" algn="ctr">
+              <a:buSzTx/>
+              <a:buNone/>
+            </a:pPr>
+            <a:r>
+              <a:t>練習 DB 指令操作 </a:t>
+            </a:r>
+          </a:p>
+          <a:p>
+            <a:pPr marL="0" indent="0" algn="ctr">
+              <a:buSzTx/>
+              <a:buNone/>
+            </a:pPr>
+            <a:r>
+              <a:t>學習系統指令</a:t>
+            </a:r>
+          </a:p>
+          <a:p>
+            <a:pPr marL="0" indent="0" algn="ctr">
+              <a:buSzTx/>
+              <a:buNone/>
+            </a:pPr>
+            <a:r>
+              <a:t>分析開源工具</a:t>
+            </a:r>
+          </a:p>
+        </p:txBody>
+      </p:sp>
+      <p:sp>
+        <p:nvSpPr>
+          <p:cNvPr id="299" name="https://hub.docker.com/search?q="/>
           <p:cNvSpPr txBox="1"/>
           <p:nvPr>
             <p:ph type="body" idx="21"/>
@@ -7450,12 +7543,97 @@
           <a:prstGeom prst="rect">
             <a:avLst/>
           </a:prstGeom>
+          <a:extLst>
+            <a:ext uri="{C572A759-6A51-4108-AA02-DFA0A04FC94B}">
+              <ma14:wrappingTextBoxFlag xmlns:ma14="http://schemas.microsoft.com/office/mac/drawingml/2011/main" val="1"/>
+            </a:ext>
+          </a:extLst>
         </p:spPr>
         <p:txBody>
           <a:bodyPr/>
+          <a:lstStyle>
+            <a:lvl1pPr defTabSz="792479">
+              <a:defRPr spc="-42" sz="4224"/>
+            </a:lvl1pPr>
+          </a:lstStyle>
+          <a:p>
+            <a:pPr/>
+            <a:r>
+              <a:t>https://hub.docker.com/search?q=</a:t>
+            </a:r>
+          </a:p>
+        </p:txBody>
+      </p:sp>
+      <p:sp>
+        <p:nvSpPr>
+          <p:cNvPr id="300" name="If I have seen further than others,…"/>
+          <p:cNvSpPr txBox="1"/>
+          <p:nvPr/>
+        </p:nvSpPr>
+        <p:spPr>
+          <a:xfrm>
+            <a:off x="1219199" y="10507813"/>
+            <a:ext cx="21945602" cy="1515081"/>
+          </a:xfrm>
+          <a:prstGeom prst="rect">
+            <a:avLst/>
+          </a:prstGeom>
+          <a:ln w="12700">
+            <a:miter lim="400000"/>
+          </a:ln>
+          <a:extLst>
+            <a:ext uri="{C572A759-6A51-4108-AA02-DFA0A04FC94B}">
+              <ma14:wrappingTextBoxFlag xmlns:ma14="http://schemas.microsoft.com/office/mac/drawingml/2011/main" val="1"/>
+            </a:ext>
+          </a:extLst>
+        </p:spPr>
+        <p:txBody>
+          <a:bodyPr lIns="50800" tIns="50800" rIns="50800" bIns="50800">
+            <a:normAutofit fontScale="100000" lnSpcReduction="0"/>
+          </a:bodyPr>
           <a:lstStyle/>
           <a:p>
-            <a:pPr/>
+            <a:pPr defTabSz="759459">
+              <a:lnSpc>
+                <a:spcPct val="100000"/>
+              </a:lnSpc>
+              <a:defRPr spc="-40" sz="4048">
+                <a:latin typeface="Avenir Next Demi Bold"/>
+                <a:ea typeface="Avenir Next Demi Bold"/>
+                <a:cs typeface="Avenir Next Demi Bold"/>
+                <a:sym typeface="Avenir Next Demi Bold"/>
+              </a:defRPr>
+            </a:pPr>
+            <a:r>
+              <a:t>If I have seen further than others,</a:t>
+            </a:r>
+          </a:p>
+          <a:p>
+            <a:pPr defTabSz="759459">
+              <a:lnSpc>
+                <a:spcPct val="100000"/>
+              </a:lnSpc>
+              <a:defRPr spc="-40" sz="4048">
+                <a:latin typeface="Avenir Next Demi Bold"/>
+                <a:ea typeface="Avenir Next Demi Bold"/>
+                <a:cs typeface="Avenir Next Demi Bold"/>
+                <a:sym typeface="Avenir Next Demi Bold"/>
+              </a:defRPr>
+            </a:pPr>
+            <a:r>
+              <a:t> it is by </a:t>
+            </a:r>
+            <a:r>
+              <a:rPr>
+                <a:solidFill>
+                  <a:srgbClr val="FF7866"/>
+                </a:solidFill>
+              </a:rPr>
+              <a:t>standing upon the shoulders of giants</a:t>
+            </a:r>
+            <a:r>
+              <a:t>.</a:t>
+            </a:r>
           </a:p>
         </p:txBody>
       </p:sp>
@@ -7487,7 +7665,132 @@
       </p:grpSpPr>
       <p:sp>
         <p:nvSpPr>
-          <p:cNvPr id="300" name="Q&amp;A"/>
+          <p:cNvPr id="302" name="Review"/>
+          <p:cNvSpPr txBox="1"/>
+          <p:nvPr>
+            <p:ph type="title"/>
+          </p:nvPr>
+        </p:nvSpPr>
+        <p:spPr>
+          <a:prstGeom prst="rect">
+            <a:avLst/>
+          </a:prstGeom>
+        </p:spPr>
+        <p:txBody>
+          <a:bodyPr/>
+          <a:lstStyle/>
+          <a:p>
+            <a:pPr/>
+            <a:r>
+              <a:t>Review</a:t>
+            </a:r>
+          </a:p>
+        </p:txBody>
+      </p:sp>
+      <p:sp>
+        <p:nvSpPr>
+          <p:cNvPr id="303" name="Docker 輕量級虛擬化技術，方便管理容器的工具，讓開發環境更統一不受干擾。…"/>
+          <p:cNvSpPr txBox="1"/>
+          <p:nvPr>
+            <p:ph type="body" idx="1"/>
+          </p:nvPr>
+        </p:nvSpPr>
+        <p:spPr>
+          <a:prstGeom prst="rect">
+            <a:avLst/>
+          </a:prstGeom>
+        </p:spPr>
+        <p:txBody>
+          <a:bodyPr/>
+          <a:lstStyle/>
+          <a:p>
+            <a:pPr/>
+            <a:r>
+              <a:t>Docker 輕量級虛擬化技術，方便管理容器的工具，讓開發環境更統一不受干擾。</a:t>
+            </a:r>
+          </a:p>
+          <a:p>
+            <a:pPr/>
+            <a:r>
+              <a:t>Container 是由 Image 製成，可以用同一個 Image 製成很多個，但 name 不能重複。</a:t>
+            </a:r>
+          </a:p>
+          <a:p>
+            <a:pPr/>
+            <a:r>
+              <a:t>Image 是由 Dokcerfile 製成，也可以從 Repository 拉取。</a:t>
+            </a:r>
+          </a:p>
+          <a:p>
+            <a:pPr/>
+            <a:r>
+              <a:t>公開的 Repository 有現成的 Image 可以使用。</a:t>
+            </a:r>
+          </a:p>
+          <a:p>
+            <a:pPr/>
+            <a:r>
+              <a:t>Container 死掉裡面的東西如果沒有 volume 出來，就掰掰摟。</a:t>
+            </a:r>
+          </a:p>
+          <a:p>
+            <a:pPr/>
+            <a:r>
+              <a:t>- -  help 是你的好夥伴。</a:t>
+            </a:r>
+          </a:p>
+        </p:txBody>
+      </p:sp>
+      <p:sp>
+        <p:nvSpPr>
+          <p:cNvPr id="304" name="幻燈片子標題"/>
+          <p:cNvSpPr txBox="1"/>
+          <p:nvPr>
+            <p:ph type="body" idx="21"/>
+          </p:nvPr>
+        </p:nvSpPr>
+        <p:spPr>
+          <a:prstGeom prst="rect">
+            <a:avLst/>
+          </a:prstGeom>
+        </p:spPr>
+        <p:txBody>
+          <a:bodyPr/>
+          <a:lstStyle/>
+          <a:p>
+            <a:pPr/>
+          </a:p>
+        </p:txBody>
+      </p:sp>
+    </p:spTree>
+  </p:cSld>
+  <p:clrMapOvr>
+    <a:masterClrMapping/>
+  </p:clrMapOvr>
+  <p:transition xmlns:p14="http://schemas.microsoft.com/office/powerpoint/2010/main" spd="med" advClick="1"/>
+</p:sld>
+</file>
+
+<file path=ppt/slides/slide22.xml><?xml version="1.0" encoding="utf-8"?>
+<p:sld xmlns:a="http://schemas.openxmlformats.org/drawingml/2006/main" xmlns:r="http://schemas.openxmlformats.org/officeDocument/2006/relationships" xmlns:p="http://schemas.openxmlformats.org/presentationml/2006/main" xmlns:m="http://schemas.openxmlformats.org/officeDocument/2006/math" xmlns:a14="http://schemas.microsoft.com/office/drawing/2010/main" showMasterSp="1" showMasterPhAnim="1">
+  <p:cSld>
+    <p:spTree>
+      <p:nvGrpSpPr>
+        <p:cNvPr id="1" name=""/>
+        <p:cNvGrpSpPr/>
+        <p:nvPr/>
+      </p:nvGrpSpPr>
+      <p:grpSpPr>
+        <a:xfrm>
+          <a:off x="0" y="0"/>
+          <a:ext cx="0" cy="0"/>
+          <a:chOff x="0" y="0"/>
+          <a:chExt cx="0" cy="0"/>
+        </a:xfrm>
+      </p:grpSpPr>
+      <p:sp>
+        <p:nvSpPr>
+          <p:cNvPr id="306" name="Q&amp;A"/>
           <p:cNvSpPr txBox="1"/>
           <p:nvPr/>
         </p:nvSpPr>
@@ -7541,21 +7844,21 @@
       </p:sp>
       <p:grpSp>
         <p:nvGrpSpPr>
-          <p:cNvPr id="303" name="群組"/>
+          <p:cNvPr id="309" name="群組"/>
           <p:cNvGrpSpPr/>
           <p:nvPr/>
         </p:nvGrpSpPr>
         <p:grpSpPr>
           <a:xfrm>
-            <a:off x="17866510" y="8059893"/>
+            <a:off x="17866509" y="8059893"/>
             <a:ext cx="7315201" cy="5321301"/>
             <a:chOff x="0" y="0"/>
-            <a:chExt cx="7315200" cy="5321299"/>
+            <a:chExt cx="7315200" cy="5321300"/>
           </a:xfrm>
         </p:grpSpPr>
         <p:sp>
           <p:nvSpPr>
-            <p:cNvPr id="301" name="課後問卷"/>
+            <p:cNvPr id="307" name="課後問卷"/>
             <p:cNvSpPr/>
             <p:nvPr/>
           </p:nvSpPr>
@@ -7612,7 +7915,7 @@
         </p:sp>
         <p:pic>
           <p:nvPicPr>
-            <p:cNvPr id="302" name="Docker WorkShop 課後問卷.png" descr="Docker WorkShop 課後問卷.png"/>
+            <p:cNvPr id="308" name="Docker WorkShop 課後問卷.png" descr="Docker WorkShop 課後問卷.png"/>
             <p:cNvPicPr>
               <a:picLocks noChangeAspect="1"/>
             </p:cNvPicPr>
@@ -7628,8 +7931,8 @@
           </p:blipFill>
           <p:spPr>
             <a:xfrm>
-              <a:off x="1523999" y="1054099"/>
-              <a:ext cx="4267201" cy="4267201"/>
+              <a:off x="1524000" y="1054100"/>
+              <a:ext cx="4267201" cy="4267200"/>
             </a:xfrm>
             <a:prstGeom prst="rect">
               <a:avLst/>
@@ -7651,7 +7954,7 @@
 </p:sld>
 </file>
 
-<file path=ppt/slides/slide22.xml><?xml version="1.0" encoding="utf-8"?>
+<file path=ppt/slides/slide23.xml><?xml version="1.0" encoding="utf-8"?>
 <p:sld xmlns:a="http://schemas.openxmlformats.org/drawingml/2006/main" xmlns:r="http://schemas.openxmlformats.org/officeDocument/2006/relationships" xmlns:p="http://schemas.openxmlformats.org/presentationml/2006/main" xmlns:m="http://schemas.openxmlformats.org/officeDocument/2006/math" xmlns:a14="http://schemas.microsoft.com/office/drawing/2010/main" showMasterSp="1" showMasterPhAnim="1">
   <p:cSld>
     <p:spTree>
@@ -7670,7 +7973,7 @@
       </p:grpSpPr>
       <p:sp>
         <p:nvSpPr>
-          <p:cNvPr id="305" name="Refrence"/>
+          <p:cNvPr id="311" name="Refrence"/>
           <p:cNvSpPr txBox="1"/>
           <p:nvPr>
             <p:ph type="title"/>
@@ -7694,7 +7997,7 @@
       </p:sp>
       <p:sp>
         <p:nvSpPr>
-          <p:cNvPr id="306" name="https://www.docker.com/…"/>
+          <p:cNvPr id="312" name="https://www.docker.com/…"/>
           <p:cNvSpPr txBox="1"/>
           <p:nvPr>
             <p:ph type="body" idx="1"/>
@@ -7754,7 +8057,7 @@
       </p:sp>
       <p:sp>
         <p:nvSpPr>
-          <p:cNvPr id="307" name="幻燈片子標題"/>
+          <p:cNvPr id="313" name="幻燈片子標題"/>
           <p:cNvSpPr txBox="1"/>
           <p:nvPr>
             <p:ph type="body" idx="21"/>
@@ -7825,7 +8128,7 @@
       </p:sp>
       <p:sp>
         <p:nvSpPr>
-          <p:cNvPr id="168" name="了解、認識、會使用，能跟別人解釋什麼是Docker…"/>
+          <p:cNvPr id="168" name="了解、認識、會使用，能跟別人解釋什麼是 Docker…"/>
           <p:cNvSpPr txBox="1"/>
           <p:nvPr>
             <p:ph type="body" idx="1"/>
@@ -7842,7 +8145,7 @@
           <a:p>
             <a:pPr/>
             <a:r>
-              <a:t>了解、認識、會使用，能跟別人解釋什麼是Docker</a:t>
+              <a:t>了解、認識、會使用，能跟別人解釋什麼是 Docker</a:t>
             </a:r>
           </a:p>
           <a:p>
@@ -8616,7 +8919,7 @@
         </p:blipFill>
         <p:spPr>
           <a:xfrm>
-            <a:off x="3130705" y="4272782"/>
+            <a:off x="3130705" y="4100196"/>
             <a:ext cx="18122590" cy="9174561"/>
           </a:xfrm>
           <a:prstGeom prst="rect">
@@ -8679,28 +8982,7 @@
       </p:sp>
       <p:sp>
         <p:nvSpPr>
-          <p:cNvPr id="203" name="幻燈片項目符號文字"/>
-          <p:cNvSpPr txBox="1"/>
-          <p:nvPr>
-            <p:ph type="body" idx="1"/>
-          </p:nvPr>
-        </p:nvSpPr>
-        <p:spPr>
-          <a:prstGeom prst="rect">
-            <a:avLst/>
-          </a:prstGeom>
-        </p:spPr>
-        <p:txBody>
-          <a:bodyPr/>
-          <a:lstStyle/>
-          <a:p>
-            <a:pPr/>
-          </a:p>
-        </p:txBody>
-      </p:sp>
-      <p:sp>
-        <p:nvSpPr>
-          <p:cNvPr id="204" name="白話文"/>
+          <p:cNvPr id="203" name="白話文"/>
           <p:cNvSpPr txBox="1"/>
           <p:nvPr>
             <p:ph type="body" idx="21"/>
@@ -8729,13 +9011,13 @@
       </p:sp>
       <p:grpSp>
         <p:nvGrpSpPr>
-          <p:cNvPr id="212" name="群組"/>
+          <p:cNvPr id="211" name="群組"/>
           <p:cNvGrpSpPr/>
           <p:nvPr/>
         </p:nvGrpSpPr>
         <p:grpSpPr>
           <a:xfrm>
-            <a:off x="3346815" y="4531521"/>
+            <a:off x="3667333" y="3835063"/>
             <a:ext cx="7841224" cy="7685052"/>
             <a:chOff x="0" y="0"/>
             <a:chExt cx="7841222" cy="7685051"/>
@@ -8743,7 +9025,7 @@
         </p:grpSpPr>
         <p:sp>
           <p:nvSpPr>
-            <p:cNvPr id="205" name="圓角矩形"/>
+            <p:cNvPr id="204" name="圓角矩形"/>
             <p:cNvSpPr/>
             <p:nvPr/>
           </p:nvSpPr>
@@ -8791,7 +9073,7 @@
         </p:sp>
         <p:sp>
           <p:nvSpPr>
-            <p:cNvPr id="206" name="MAC"/>
+            <p:cNvPr id="205" name="MAC"/>
             <p:cNvSpPr/>
             <p:nvPr/>
           </p:nvSpPr>
@@ -8849,7 +9131,7 @@
         </p:sp>
         <p:sp>
           <p:nvSpPr>
-            <p:cNvPr id="207" name="Window"/>
+            <p:cNvPr id="206" name="Window"/>
             <p:cNvSpPr/>
             <p:nvPr/>
           </p:nvSpPr>
@@ -8907,7 +9189,7 @@
         </p:sp>
         <p:sp>
           <p:nvSpPr>
-            <p:cNvPr id="208" name="Linux"/>
+            <p:cNvPr id="207" name="Linux"/>
             <p:cNvSpPr/>
             <p:nvPr/>
           </p:nvSpPr>
@@ -8965,7 +9247,7 @@
         </p:sp>
         <p:sp>
           <p:nvSpPr>
-            <p:cNvPr id="209" name="Hypervisor  [VirtualBox, VMware, Hyper-v]"/>
+            <p:cNvPr id="208" name="Hypervisor  [VirtualBox, VMware, Hyper-v]"/>
             <p:cNvSpPr/>
             <p:nvPr/>
           </p:nvSpPr>
@@ -9025,7 +9307,7 @@
         </p:sp>
         <p:sp>
           <p:nvSpPr>
-            <p:cNvPr id="210" name="ApplicationA…"/>
+            <p:cNvPr id="209" name="ApplicationA…"/>
             <p:cNvSpPr/>
             <p:nvPr/>
           </p:nvSpPr>
@@ -9097,7 +9379,7 @@
         </p:sp>
         <p:sp>
           <p:nvSpPr>
-            <p:cNvPr id="211" name="ApplicationB…"/>
+            <p:cNvPr id="210" name="ApplicationB…"/>
             <p:cNvSpPr/>
             <p:nvPr/>
           </p:nvSpPr>
@@ -9170,13 +9452,13 @@
       </p:grpSp>
       <p:grpSp>
         <p:nvGrpSpPr>
-          <p:cNvPr id="218" name="群組"/>
+          <p:cNvPr id="217" name="群組"/>
           <p:cNvGrpSpPr/>
           <p:nvPr/>
         </p:nvGrpSpPr>
         <p:grpSpPr>
           <a:xfrm>
-            <a:off x="13212622" y="4412474"/>
+            <a:off x="12916760" y="3835063"/>
             <a:ext cx="7841224" cy="7685052"/>
             <a:chOff x="0" y="0"/>
             <a:chExt cx="7841222" cy="7685051"/>
@@ -9184,7 +9466,7 @@
         </p:grpSpPr>
         <p:sp>
           <p:nvSpPr>
-            <p:cNvPr id="213" name="圓角矩形"/>
+            <p:cNvPr id="212" name="圓角矩形"/>
             <p:cNvSpPr/>
             <p:nvPr/>
           </p:nvSpPr>
@@ -9232,7 +9514,7 @@
         </p:sp>
         <p:sp>
           <p:nvSpPr>
-            <p:cNvPr id="214" name="MAC"/>
+            <p:cNvPr id="213" name="MAC"/>
             <p:cNvSpPr/>
             <p:nvPr/>
           </p:nvSpPr>
@@ -9290,7 +9572,7 @@
         </p:sp>
         <p:sp>
           <p:nvSpPr>
-            <p:cNvPr id="215" name="Docker"/>
+            <p:cNvPr id="214" name="Docker"/>
             <p:cNvSpPr/>
             <p:nvPr/>
           </p:nvSpPr>
@@ -9348,7 +9630,7 @@
         </p:sp>
         <p:sp>
           <p:nvSpPr>
-            <p:cNvPr id="216" name="ApplicationB…"/>
+            <p:cNvPr id="215" name="ApplicationB…"/>
             <p:cNvSpPr/>
             <p:nvPr/>
           </p:nvSpPr>
@@ -9420,7 +9702,7 @@
         </p:sp>
         <p:sp>
           <p:nvSpPr>
-            <p:cNvPr id="217" name="ApplicationA…"/>
+            <p:cNvPr id="216" name="ApplicationA…"/>
             <p:cNvSpPr/>
             <p:nvPr/>
           </p:nvSpPr>
@@ -9491,6 +9773,36 @@
           </p:txBody>
         </p:sp>
       </p:grpSp>
+      <p:pic>
+        <p:nvPicPr>
+          <p:cNvPr id="218" name="containers-vs-virtual-machines.jpeg" descr="containers-vs-virtual-machines.jpeg"/>
+          <p:cNvPicPr>
+            <a:picLocks noChangeAspect="1"/>
+          </p:cNvPicPr>
+          <p:nvPr/>
+        </p:nvPicPr>
+        <p:blipFill>
+          <a:blip r:embed="rId3">
+            <a:extLst/>
+          </a:blip>
+          <a:srcRect l="0" t="87000" r="0" b="1587"/>
+          <a:stretch>
+            <a:fillRect/>
+          </a:stretch>
+        </p:blipFill>
+        <p:spPr>
+          <a:xfrm>
+            <a:off x="2933464" y="11825222"/>
+            <a:ext cx="18122589" cy="1046969"/>
+          </a:xfrm>
+          <a:prstGeom prst="rect">
+            <a:avLst/>
+          </a:prstGeom>
+          <a:ln w="12700">
+            <a:miter lim="400000"/>
+          </a:ln>
+        </p:spPr>
+      </p:pic>
     </p:spTree>
   </p:cSld>
   <p:clrMapOvr>
